--- a/2.pptx
+++ b/2.pptx
@@ -107,6 +107,11 @@
       </a:defRPr>
     </a:lvl9pPr>
   </p:defaultTextStyle>
+  <p:extLst>
+    <p:ext uri="{EFAFB233-063F-42B5-8137-9DF3F51BA10A}">
+      <p15:sldGuideLst xmlns:p15="http://schemas.microsoft.com/office/powerpoint/2012/main"/>
+    </p:ext>
+  </p:extLst>
 </p:presentation>
 </file>
 
@@ -5164,19 +5169,45 @@
           <a:p>
             <a:r>
               <a:rPr lang="en-US" altLang="ko-KR" dirty="0"/>
-              <a:t>3</a:t>
+              <a:t>5</a:t>
             </a:r>
             <a:r>
               <a:rPr lang="ko-KR" altLang="en-US" dirty="0"/>
-              <a:t>주차 계획 </a:t>
+              <a:t>주차 계획부터 실행</a:t>
             </a:r>
             <a:r>
               <a:rPr lang="en-US" altLang="ko-KR" dirty="0"/>
-              <a:t>&lt;-&gt; 5</a:t>
-            </a:r>
+              <a:t>.</a:t>
+            </a:r>
+          </a:p>
+          <a:p>
             <a:r>
               <a:rPr lang="ko-KR" altLang="en-US" dirty="0"/>
-              <a:t>주차 계획</a:t>
+              <a:t>진행 속도가 매우 느리기 때문에 </a:t>
+            </a:r>
+            <a:r>
+              <a:rPr lang="en-US" altLang="ko-KR" dirty="0"/>
+              <a:t>6</a:t>
+            </a:r>
+            <a:r>
+              <a:rPr lang="ko-KR" altLang="en-US" dirty="0"/>
+              <a:t>주차에 최소 </a:t>
+            </a:r>
+            <a:r>
+              <a:rPr lang="en-US" altLang="ko-KR" dirty="0"/>
+              <a:t>4</a:t>
+            </a:r>
+            <a:r>
+              <a:rPr lang="ko-KR" altLang="en-US" dirty="0"/>
+              <a:t>주차 계획까지는 달성할 수 있도록 진행</a:t>
+            </a:r>
+            <a:r>
+              <a:rPr lang="en-US" altLang="ko-KR" dirty="0"/>
+              <a:t>.</a:t>
+            </a:r>
+            <a:r>
+              <a:rPr lang="ko-KR" altLang="en-US" dirty="0"/>
+              <a:t>  </a:t>
             </a:r>
           </a:p>
         </p:txBody>
@@ -5196,14 +5227,14 @@
           <p:nvPr>
             <p:extLst>
               <p:ext uri="{D42A27DB-BD31-4B8C-83A1-F6EECF244321}">
-                <p14:modId xmlns:p14="http://schemas.microsoft.com/office/powerpoint/2010/main" val="2436606187"/>
+                <p14:modId xmlns:p14="http://schemas.microsoft.com/office/powerpoint/2010/main" val="2460006833"/>
               </p:ext>
             </p:extLst>
           </p:nvPr>
         </p:nvGraphicFramePr>
         <p:xfrm>
-          <a:off x="1142901" y="2524125"/>
-          <a:ext cx="9855298" cy="4098529"/>
+          <a:off x="1009551" y="3514725"/>
+          <a:ext cx="9855298" cy="2300192"/>
         </p:xfrm>
         <a:graphic>
           <a:graphicData uri="http://schemas.openxmlformats.org/drawingml/2006/table">
@@ -5303,214 +5334,21 @@
                     <a:p>
                       <a:pPr latinLnBrk="1"/>
                       <a:r>
-                        <a:rPr lang="en-US" altLang="ko-KR" sz="1600" cap="none" spc="0" dirty="0">
-                          <a:solidFill>
-                            <a:schemeClr val="tx1"/>
-                          </a:solidFill>
-                        </a:rPr>
-                        <a:t>1</a:t>
-                      </a:r>
-                      <a:r>
-                        <a:rPr lang="ko-KR" altLang="en-US" sz="1600" cap="none" spc="0" dirty="0">
+                        <a:rPr lang="en-US" altLang="ko-KR" sz="1600" cap="none" spc="0">
+                          <a:solidFill>
+                            <a:schemeClr val="tx1"/>
+                          </a:solidFill>
+                        </a:rPr>
+                        <a:t>6</a:t>
+                      </a:r>
+                      <a:r>
+                        <a:rPr lang="ko-KR" altLang="en-US" sz="1600" cap="none" spc="0">
                           <a:solidFill>
                             <a:schemeClr val="tx1"/>
                           </a:solidFill>
                         </a:rPr>
                         <a:t>주차</a:t>
                       </a:r>
-                    </a:p>
-                  </a:txBody>
-                  <a:tcPr marL="146775" marR="146775" marT="73388" marB="89047"/>
-                </a:tc>
-                <a:tc>
-                  <a:txBody>
-                    <a:bodyPr/>
-                    <a:lstStyle/>
-                    <a:p>
-                      <a:pPr latinLnBrk="1"/>
-                      <a:r>
-                        <a:rPr lang="ko-KR" altLang="en-US" sz="1200" cap="none" spc="0" dirty="0">
-                          <a:solidFill>
-                            <a:schemeClr val="tx1"/>
-                          </a:solidFill>
-                        </a:rPr>
-                        <a:t>리소스 수집</a:t>
-                      </a:r>
-                      <a:r>
-                        <a:rPr lang="en-US" altLang="ko-KR" sz="1200" cap="none" spc="0" dirty="0">
-                          <a:solidFill>
-                            <a:schemeClr val="tx1"/>
-                          </a:solidFill>
-                        </a:rPr>
-                        <a:t>, </a:t>
-                      </a:r>
-                      <a:r>
-                        <a:rPr lang="ko-KR" altLang="en-US" sz="1200" cap="none" spc="0" dirty="0">
-                          <a:solidFill>
-                            <a:schemeClr val="tx1"/>
-                          </a:solidFill>
-                        </a:rPr>
-                        <a:t>맵 구현</a:t>
-                      </a:r>
-                    </a:p>
-                  </a:txBody>
-                  <a:tcPr marL="146775" marR="146775" marT="73388" marB="89047"/>
-                </a:tc>
-                <a:tc>
-                  <a:txBody>
-                    <a:bodyPr/>
-                    <a:lstStyle/>
-                    <a:p>
-                      <a:pPr latinLnBrk="1"/>
-                      <a:r>
-                        <a:rPr lang="en-US" altLang="ko-KR" sz="1200" cap="none" spc="0" dirty="0">
-                          <a:solidFill>
-                            <a:schemeClr val="tx1"/>
-                          </a:solidFill>
-                        </a:rPr>
-                        <a:t>-</a:t>
-                      </a:r>
-                      <a:endParaRPr lang="ko-KR" altLang="en-US" sz="1200" cap="none" spc="0" dirty="0">
-                        <a:solidFill>
-                          <a:schemeClr val="tx1"/>
-                        </a:solidFill>
-                      </a:endParaRPr>
-                    </a:p>
-                  </a:txBody>
-                  <a:tcPr marL="146775" marR="146775" marT="73388" marB="89047"/>
-                </a:tc>
-                <a:extLst>
-                  <a:ext uri="{0D108BD9-81ED-4DB2-BD59-A6C34878D82A}">
-                    <a16:rowId xmlns:a16="http://schemas.microsoft.com/office/drawing/2014/main" val="2088874178"/>
-                  </a:ext>
-                </a:extLst>
-              </a:tr>
-              <a:tr h="540640">
-                <a:tc>
-                  <a:txBody>
-                    <a:bodyPr/>
-                    <a:lstStyle/>
-                    <a:p>
-                      <a:pPr latinLnBrk="1"/>
-                      <a:r>
-                        <a:rPr lang="en-US" altLang="ko-KR" sz="1600" cap="none" spc="0" dirty="0">
-                          <a:solidFill>
-                            <a:schemeClr val="tx1"/>
-                          </a:solidFill>
-                        </a:rPr>
-                        <a:t>2</a:t>
-                      </a:r>
-                      <a:r>
-                        <a:rPr lang="ko-KR" altLang="en-US" sz="1600" cap="none" spc="0" dirty="0">
-                          <a:solidFill>
-                            <a:schemeClr val="tx1"/>
-                          </a:solidFill>
-                        </a:rPr>
-                        <a:t>주차</a:t>
-                      </a:r>
-                    </a:p>
-                  </a:txBody>
-                  <a:tcPr marL="146775" marR="146775" marT="73388" marB="89047"/>
-                </a:tc>
-                <a:tc>
-                  <a:txBody>
-                    <a:bodyPr/>
-                    <a:lstStyle/>
-                    <a:p>
-                      <a:pPr latinLnBrk="1"/>
-                      <a:r>
-                        <a:rPr lang="ko-KR" altLang="en-US" sz="1200" cap="none" spc="0" dirty="0">
-                          <a:solidFill>
-                            <a:schemeClr val="tx1"/>
-                          </a:solidFill>
-                        </a:rPr>
-                        <a:t>캐릭터</a:t>
-                      </a:r>
-                      <a:r>
-                        <a:rPr lang="en-US" altLang="ko-KR" sz="1200" cap="none" spc="0" dirty="0">
-                          <a:solidFill>
-                            <a:schemeClr val="tx1"/>
-                          </a:solidFill>
-                        </a:rPr>
-                        <a:t>, </a:t>
-                      </a:r>
-                      <a:r>
-                        <a:rPr lang="ko-KR" altLang="en-US" sz="1200" cap="none" spc="0" dirty="0">
-                          <a:solidFill>
-                            <a:schemeClr val="tx1"/>
-                          </a:solidFill>
-                        </a:rPr>
-                        <a:t>몬스터 구현</a:t>
-                      </a:r>
-                      <a:endParaRPr lang="en-US" altLang="ko-KR" sz="1200" cap="none" spc="0" dirty="0">
-                        <a:solidFill>
-                          <a:schemeClr val="tx1"/>
-                        </a:solidFill>
-                      </a:endParaRPr>
-                    </a:p>
-                    <a:p>
-                      <a:pPr marL="0" marR="0" lvl="0" indent="0" algn="l" defTabSz="914400" rtl="0" eaLnBrk="1" fontAlgn="auto" latinLnBrk="1" hangingPunct="1">
-                        <a:lnSpc>
-                          <a:spcPct val="100000"/>
-                        </a:lnSpc>
-                        <a:spcBef>
-                          <a:spcPts val="0"/>
-                        </a:spcBef>
-                        <a:spcAft>
-                          <a:spcPts val="0"/>
-                        </a:spcAft>
-                        <a:buClrTx/>
-                        <a:buSzTx/>
-                        <a:buFontTx/>
-                        <a:buNone/>
-                        <a:tabLst/>
-                        <a:defRPr/>
-                      </a:pPr>
-                      <a:r>
-                        <a:rPr lang="en-US" altLang="ko-KR" sz="1200" cap="none" spc="0" dirty="0">
-                          <a:solidFill>
-                            <a:schemeClr val="tx1"/>
-                          </a:solidFill>
-                        </a:rPr>
-                        <a:t>(</a:t>
-                      </a:r>
-                      <a:r>
-                        <a:rPr lang="ko-KR" altLang="en-US" sz="1200" cap="none" spc="0" dirty="0">
-                          <a:solidFill>
-                            <a:schemeClr val="tx1"/>
-                          </a:solidFill>
-                        </a:rPr>
-                        <a:t>공격</a:t>
-                      </a:r>
-                      <a:r>
-                        <a:rPr lang="en-US" altLang="ko-KR" sz="1200" cap="none" spc="0" dirty="0">
-                          <a:solidFill>
-                            <a:schemeClr val="tx1"/>
-                          </a:solidFill>
-                        </a:rPr>
-                        <a:t>, </a:t>
-                      </a:r>
-                      <a:r>
-                        <a:rPr lang="ko-KR" altLang="en-US" sz="1200" cap="none" spc="0" dirty="0">
-                          <a:solidFill>
-                            <a:schemeClr val="tx1"/>
-                          </a:solidFill>
-                        </a:rPr>
-                        <a:t>피격 등 상호작용 및 충돌처리</a:t>
-                      </a:r>
-                      <a:r>
-                        <a:rPr lang="en-US" altLang="ko-KR" sz="1200" cap="none" spc="0" dirty="0">
-                          <a:solidFill>
-                            <a:schemeClr val="tx1"/>
-                          </a:solidFill>
-                        </a:rPr>
-                        <a:t>)</a:t>
-                      </a:r>
-                      <a:endParaRPr lang="ko-KR" altLang="en-US" sz="1200" cap="none" spc="0" dirty="0">
-                        <a:solidFill>
-                          <a:schemeClr val="tx1"/>
-                        </a:solidFill>
-                      </a:endParaRPr>
                     </a:p>
                   </a:txBody>
                   <a:tcPr marL="146775" marR="146775" marT="73388" marB="89047"/>
@@ -5538,50 +5376,12 @@
                         <a:defRPr/>
                       </a:pPr>
                       <a:r>
-                        <a:rPr lang="en-US" altLang="ko-KR" sz="1200" cap="none" spc="0" dirty="0">
-                          <a:solidFill>
-                            <a:schemeClr val="tx1"/>
-                          </a:solidFill>
-                        </a:rPr>
-                        <a:t>-</a:t>
-                      </a:r>
-                      <a:endParaRPr lang="ko-KR" altLang="en-US" sz="1200" cap="none" spc="0" dirty="0">
-                        <a:solidFill>
-                          <a:schemeClr val="tx1"/>
-                        </a:solidFill>
-                      </a:endParaRPr>
-                    </a:p>
-                  </a:txBody>
-                  <a:tcPr marL="146775" marR="146775" marT="73388" marB="89047"/>
-                </a:tc>
-                <a:extLst>
-                  <a:ext uri="{0D108BD9-81ED-4DB2-BD59-A6C34878D82A}">
-                    <a16:rowId xmlns:a16="http://schemas.microsoft.com/office/drawing/2014/main" val="1995095247"/>
-                  </a:ext>
-                </a:extLst>
-              </a:tr>
-              <a:tr h="540640">
-                <a:tc>
-                  <a:txBody>
-                    <a:bodyPr/>
-                    <a:lstStyle/>
-                    <a:p>
-                      <a:pPr latinLnBrk="1"/>
-                      <a:r>
-                        <a:rPr lang="en-US" altLang="ko-KR" sz="1600" cap="none" spc="0" dirty="0">
-                          <a:solidFill>
-                            <a:schemeClr val="tx1"/>
-                          </a:solidFill>
-                        </a:rPr>
-                        <a:t>3</a:t>
-                      </a:r>
-                      <a:r>
-                        <a:rPr lang="ko-KR" altLang="en-US" sz="1600" cap="none" spc="0" dirty="0">
-                          <a:solidFill>
-                            <a:schemeClr val="tx1"/>
-                          </a:solidFill>
-                        </a:rPr>
-                        <a:t>주차</a:t>
+                        <a:rPr lang="ko-KR" altLang="en-US" sz="1200" cap="none" spc="0" dirty="0">
+                          <a:solidFill>
+                            <a:schemeClr val="tx1"/>
+                          </a:solidFill>
+                        </a:rPr>
+                        <a:t>강화 시스템 구현</a:t>
                       </a:r>
                     </a:p>
                   </a:txBody>
@@ -5610,12 +5410,20 @@
                         <a:defRPr/>
                       </a:pPr>
                       <a:r>
+                        <a:rPr lang="en-US" altLang="ko-KR" sz="1200" cap="none" spc="0" dirty="0">
+                          <a:solidFill>
+                            <a:schemeClr val="tx1"/>
+                          </a:solidFill>
+                        </a:rPr>
+                        <a:t>(</a:t>
+                      </a:r>
+                      <a:r>
                         <a:rPr lang="ko-KR" altLang="en-US" sz="1200" cap="none" spc="0" dirty="0">
                           <a:solidFill>
                             <a:schemeClr val="tx1"/>
                           </a:solidFill>
                         </a:rPr>
-                        <a:t>아이템</a:t>
+                        <a:t>최소</a:t>
                       </a:r>
                       <a:r>
                         <a:rPr lang="en-US" altLang="ko-KR" sz="1200" cap="none" spc="0" dirty="0">
@@ -5623,6 +5431,89 @@
                             <a:schemeClr val="tx1"/>
                           </a:solidFill>
                         </a:rPr>
+                        <a:t>)5</a:t>
+                      </a:r>
+                      <a:r>
+                        <a:rPr lang="ko-KR" altLang="en-US" sz="1200" cap="none" spc="0" dirty="0">
+                          <a:solidFill>
+                            <a:schemeClr val="tx1"/>
+                          </a:solidFill>
+                        </a:rPr>
+                        <a:t>주차</a:t>
+                      </a:r>
+                      <a:r>
+                        <a:rPr lang="en-US" altLang="ko-KR" sz="1200" cap="none" spc="0" dirty="0">
+                          <a:solidFill>
+                            <a:schemeClr val="tx1"/>
+                          </a:solidFill>
+                        </a:rPr>
+                        <a:t>: </a:t>
+                      </a:r>
+                      <a:r>
+                        <a:rPr lang="ko-KR" altLang="en-US" sz="1200" cap="none" spc="0" dirty="0">
+                          <a:solidFill>
+                            <a:schemeClr val="tx1"/>
+                          </a:solidFill>
+                        </a:rPr>
+                        <a:t>무기 스킬 구현</a:t>
+                      </a:r>
+                      <a:r>
+                        <a:rPr lang="en-US" altLang="ko-KR" sz="1200" cap="none" spc="0" dirty="0">
+                          <a:solidFill>
+                            <a:schemeClr val="tx1"/>
+                          </a:solidFill>
+                        </a:rPr>
+                        <a:t>, </a:t>
+                      </a:r>
+                      <a:r>
+                        <a:rPr lang="ko-KR" altLang="en-US" sz="1200" cap="none" spc="0" dirty="0">
+                          <a:solidFill>
+                            <a:schemeClr val="tx1"/>
+                          </a:solidFill>
+                        </a:rPr>
+                        <a:t>체력 바 등의 나머지 </a:t>
+                      </a:r>
+                      <a:r>
+                        <a:rPr lang="en-US" altLang="ko-KR" sz="1200" cap="none" spc="0" dirty="0">
+                          <a:solidFill>
+                            <a:schemeClr val="tx1"/>
+                          </a:solidFill>
+                        </a:rPr>
+                        <a:t>UI</a:t>
+                      </a:r>
+                      <a:r>
+                        <a:rPr lang="ko-KR" altLang="en-US" sz="1200" cap="none" spc="0" dirty="0">
+                          <a:solidFill>
+                            <a:schemeClr val="tx1"/>
+                          </a:solidFill>
+                        </a:rPr>
+                        <a:t>구현</a:t>
+                      </a:r>
+                    </a:p>
+                    <a:p>
+                      <a:pPr marL="0" marR="0" lvl="0" indent="0" algn="l" defTabSz="914400" rtl="0" eaLnBrk="1" fontAlgn="auto" latinLnBrk="1" hangingPunct="1">
+                        <a:lnSpc>
+                          <a:spcPct val="100000"/>
+                        </a:lnSpc>
+                        <a:spcBef>
+                          <a:spcPts val="0"/>
+                        </a:spcBef>
+                        <a:spcAft>
+                          <a:spcPts val="0"/>
+                        </a:spcAft>
+                        <a:buClrTx/>
+                        <a:buSzTx/>
+                        <a:buFontTx/>
+                        <a:buNone/>
+                        <a:tabLst/>
+                        <a:defRPr/>
+                      </a:pPr>
+                      <a:r>
+                        <a:rPr lang="en-US" altLang="ko-KR" sz="1200" cap="none" spc="0" dirty="0">
+                          <a:solidFill>
+                            <a:schemeClr val="tx1"/>
+                          </a:solidFill>
+                        </a:rPr>
                         <a:t>(</a:t>
                       </a:r>
                       <a:r>
@@ -5631,7 +5522,7 @@
                             <a:schemeClr val="tx1"/>
                           </a:solidFill>
                         </a:rPr>
-                        <a:t>강화 재료</a:t>
+                        <a:t>최소</a:t>
                       </a:r>
                       <a:r>
                         <a:rPr lang="en-US" altLang="ko-KR" sz="1200" cap="none" spc="0" dirty="0">
@@ -5639,6 +5530,38 @@
                             <a:schemeClr val="tx1"/>
                           </a:solidFill>
                         </a:rPr>
+                        <a:t>)4</a:t>
+                      </a:r>
+                      <a:r>
+                        <a:rPr lang="ko-KR" altLang="en-US" sz="1200" cap="none" spc="0" dirty="0">
+                          <a:solidFill>
+                            <a:schemeClr val="tx1"/>
+                          </a:solidFill>
+                        </a:rPr>
+                        <a:t>주차</a:t>
+                      </a:r>
+                      <a:r>
+                        <a:rPr lang="en-US" altLang="ko-KR" sz="1200" cap="none" spc="0" dirty="0">
+                          <a:solidFill>
+                            <a:schemeClr val="tx1"/>
+                          </a:solidFill>
+                        </a:rPr>
+                        <a:t>:</a:t>
+                      </a:r>
+                      <a:r>
+                        <a:rPr lang="ko-KR" altLang="en-US" sz="1200" cap="none" spc="0" dirty="0">
+                          <a:solidFill>
+                            <a:schemeClr val="tx1"/>
+                          </a:solidFill>
+                        </a:rPr>
+                        <a:t>메뉴</a:t>
+                      </a:r>
+                      <a:r>
+                        <a:rPr lang="en-US" altLang="ko-KR" sz="1200" cap="none" spc="0" dirty="0">
+                          <a:solidFill>
+                            <a:schemeClr val="tx1"/>
+                          </a:solidFill>
+                        </a:rPr>
                         <a:t>, </a:t>
                       </a:r>
                       <a:r>
@@ -5647,7 +5570,7 @@
                             <a:schemeClr val="tx1"/>
                           </a:solidFill>
                         </a:rPr>
-                        <a:t>장비</a:t>
+                        <a:t>장비 창</a:t>
                       </a:r>
                       <a:r>
                         <a:rPr lang="en-US" altLang="ko-KR" sz="1200" cap="none" spc="0" dirty="0">
@@ -5655,7 +5578,7 @@
                             <a:schemeClr val="tx1"/>
                           </a:solidFill>
                         </a:rPr>
-                        <a:t>(</a:t>
+                        <a:t>, </a:t>
                       </a:r>
                       <a:r>
                         <a:rPr lang="ko-KR" altLang="en-US" sz="1200" cap="none" spc="0" dirty="0">
@@ -5663,39 +5586,7 @@
                             <a:schemeClr val="tx1"/>
                           </a:solidFill>
                         </a:rPr>
-                        <a:t>무기 최소 </a:t>
-                      </a:r>
-                      <a:r>
-                        <a:rPr lang="en-US" altLang="ko-KR" sz="1200" cap="none" spc="0" dirty="0">
-                          <a:solidFill>
-                            <a:schemeClr val="tx1"/>
-                          </a:solidFill>
-                        </a:rPr>
-                        <a:t>2</a:t>
-                      </a:r>
-                      <a:r>
-                        <a:rPr lang="ko-KR" altLang="en-US" sz="1200" cap="none" spc="0" dirty="0">
-                          <a:solidFill>
-                            <a:schemeClr val="tx1"/>
-                          </a:solidFill>
-                        </a:rPr>
-                        <a:t>종</a:t>
-                      </a:r>
-                      <a:r>
-                        <a:rPr lang="en-US" altLang="ko-KR" sz="1200" cap="none" spc="0" dirty="0">
-                          <a:solidFill>
-                            <a:schemeClr val="tx1"/>
-                          </a:solidFill>
-                        </a:rPr>
-                        <a:t>))</a:t>
-                      </a:r>
-                      <a:r>
-                        <a:rPr lang="ko-KR" altLang="en-US" sz="1200" cap="none" spc="0" dirty="0">
-                          <a:solidFill>
-                            <a:schemeClr val="tx1"/>
-                          </a:solidFill>
-                        </a:rPr>
-                        <a:t> 구현</a:t>
+                        <a:t>배낭 구현</a:t>
                       </a:r>
                       <a:endParaRPr lang="en-US" altLang="ko-KR" sz="1200" cap="none" spc="0" dirty="0">
                         <a:solidFill>
@@ -5727,7 +5618,7 @@
                             <a:schemeClr val="tx1"/>
                           </a:solidFill>
                         </a:rPr>
-                        <a:t>(</a:t>
+                        <a:t>3</a:t>
                       </a:r>
                       <a:r>
                         <a:rPr lang="ko-KR" altLang="en-US" sz="1200" cap="none" spc="0" dirty="0">
@@ -5735,7 +5626,7 @@
                             <a:schemeClr val="tx1"/>
                           </a:solidFill>
                         </a:rPr>
-                        <a:t>아이템 수집 등 상호작용 및 충돌처리</a:t>
+                        <a:t>주차</a:t>
                       </a:r>
                       <a:r>
                         <a:rPr lang="en-US" altLang="ko-KR" sz="1200" cap="none" spc="0" dirty="0">
@@ -5743,342 +5634,8 @@
                             <a:schemeClr val="tx1"/>
                           </a:solidFill>
                         </a:rPr>
-                        <a:t>)</a:t>
-                      </a:r>
-                      <a:endParaRPr lang="ko-KR" altLang="en-US" sz="1200" cap="none" spc="0" dirty="0">
-                        <a:solidFill>
-                          <a:schemeClr val="tx1"/>
-                        </a:solidFill>
-                      </a:endParaRPr>
-                    </a:p>
-                  </a:txBody>
-                  <a:tcPr marL="146775" marR="146775" marT="73388" marB="89047"/>
-                </a:tc>
-                <a:tc>
-                  <a:txBody>
-                    <a:bodyPr/>
-                    <a:lstStyle/>
-                    <a:p>
-                      <a:pPr marL="0" marR="0" lvl="0" indent="0" algn="l" defTabSz="914400" rtl="0" eaLnBrk="1" fontAlgn="auto" latinLnBrk="1" hangingPunct="1">
-                        <a:lnSpc>
-                          <a:spcPct val="100000"/>
-                        </a:lnSpc>
-                        <a:spcBef>
-                          <a:spcPts val="0"/>
-                        </a:spcBef>
-                        <a:spcAft>
-                          <a:spcPts val="0"/>
-                        </a:spcAft>
-                        <a:buClrTx/>
-                        <a:buSzTx/>
-                        <a:buFontTx/>
-                        <a:buNone/>
-                        <a:tabLst/>
-                        <a:defRPr/>
-                      </a:pPr>
-                      <a:r>
-                        <a:rPr lang="ko-KR" altLang="en-US" sz="1200" cap="none" spc="0" dirty="0">
-                          <a:solidFill>
-                            <a:schemeClr val="tx1"/>
-                          </a:solidFill>
-                        </a:rPr>
-                        <a:t>무기 스킬 구현</a:t>
-                      </a:r>
-                      <a:r>
-                        <a:rPr lang="en-US" altLang="ko-KR" sz="1200" cap="none" spc="0" dirty="0">
-                          <a:solidFill>
-                            <a:schemeClr val="tx1"/>
-                          </a:solidFill>
-                        </a:rPr>
-                        <a:t>, </a:t>
-                      </a:r>
-                      <a:r>
-                        <a:rPr lang="ko-KR" altLang="en-US" sz="1200" cap="none" spc="0" dirty="0">
-                          <a:solidFill>
-                            <a:schemeClr val="tx1"/>
-                          </a:solidFill>
-                        </a:rPr>
-                        <a:t>체력 바 등의 나머지 </a:t>
-                      </a:r>
-                      <a:r>
-                        <a:rPr lang="en-US" altLang="ko-KR" sz="1200" cap="none" spc="0" dirty="0">
-                          <a:solidFill>
-                            <a:schemeClr val="tx1"/>
-                          </a:solidFill>
-                        </a:rPr>
-                        <a:t>UI</a:t>
-                      </a:r>
-                      <a:r>
-                        <a:rPr lang="ko-KR" altLang="en-US" sz="1200" cap="none" spc="0" dirty="0">
-                          <a:solidFill>
-                            <a:schemeClr val="tx1"/>
-                          </a:solidFill>
-                        </a:rPr>
-                        <a:t>구현</a:t>
-                      </a:r>
-                    </a:p>
-                  </a:txBody>
-                  <a:tcPr marL="146775" marR="146775" marT="73388" marB="89047"/>
-                </a:tc>
-                <a:extLst>
-                  <a:ext uri="{0D108BD9-81ED-4DB2-BD59-A6C34878D82A}">
-                    <a16:rowId xmlns:a16="http://schemas.microsoft.com/office/drawing/2014/main" val="1593639308"/>
-                  </a:ext>
-                </a:extLst>
-              </a:tr>
-              <a:tr h="421899">
-                <a:tc>
-                  <a:txBody>
-                    <a:bodyPr/>
-                    <a:lstStyle/>
-                    <a:p>
-                      <a:pPr latinLnBrk="1"/>
-                      <a:r>
-                        <a:rPr lang="en-US" altLang="ko-KR" sz="1600" cap="none" spc="0" dirty="0">
-                          <a:solidFill>
-                            <a:schemeClr val="tx1"/>
-                          </a:solidFill>
-                        </a:rPr>
-                        <a:t>4</a:t>
-                      </a:r>
-                      <a:r>
-                        <a:rPr lang="ko-KR" altLang="en-US" sz="1600" cap="none" spc="0" dirty="0">
-                          <a:solidFill>
-                            <a:schemeClr val="tx1"/>
-                          </a:solidFill>
-                        </a:rPr>
-                        <a:t>주차</a:t>
-                      </a:r>
-                    </a:p>
-                  </a:txBody>
-                  <a:tcPr marL="146775" marR="146775" marT="73388" marB="89047"/>
-                </a:tc>
-                <a:tc>
-                  <a:txBody>
-                    <a:bodyPr/>
-                    <a:lstStyle/>
-                    <a:p>
-                      <a:pPr marL="0" marR="0" lvl="0" indent="0" algn="l" defTabSz="914400" rtl="0" eaLnBrk="1" fontAlgn="auto" latinLnBrk="1" hangingPunct="1">
-                        <a:lnSpc>
-                          <a:spcPct val="100000"/>
-                        </a:lnSpc>
-                        <a:spcBef>
-                          <a:spcPts val="0"/>
-                        </a:spcBef>
-                        <a:spcAft>
-                          <a:spcPts val="0"/>
-                        </a:spcAft>
-                        <a:buClrTx/>
-                        <a:buSzTx/>
-                        <a:buFontTx/>
-                        <a:buNone/>
-                        <a:tabLst/>
-                        <a:defRPr/>
-                      </a:pPr>
-                      <a:r>
-                        <a:rPr lang="ko-KR" altLang="en-US" sz="1200" cap="none" spc="0" dirty="0">
-                          <a:solidFill>
-                            <a:schemeClr val="tx1"/>
-                          </a:solidFill>
-                        </a:rPr>
-                        <a:t>메뉴</a:t>
-                      </a:r>
-                      <a:r>
-                        <a:rPr lang="en-US" altLang="ko-KR" sz="1200" cap="none" spc="0" dirty="0">
-                          <a:solidFill>
-                            <a:schemeClr val="tx1"/>
-                          </a:solidFill>
-                        </a:rPr>
-                        <a:t>, </a:t>
-                      </a:r>
-                      <a:r>
-                        <a:rPr lang="ko-KR" altLang="en-US" sz="1200" cap="none" spc="0" dirty="0">
-                          <a:solidFill>
-                            <a:schemeClr val="tx1"/>
-                          </a:solidFill>
-                        </a:rPr>
-                        <a:t>장비 창</a:t>
-                      </a:r>
-                      <a:r>
-                        <a:rPr lang="en-US" altLang="ko-KR" sz="1200" cap="none" spc="0" dirty="0">
-                          <a:solidFill>
-                            <a:schemeClr val="tx1"/>
-                          </a:solidFill>
-                        </a:rPr>
-                        <a:t>, </a:t>
-                      </a:r>
-                      <a:r>
-                        <a:rPr lang="ko-KR" altLang="en-US" sz="1200" cap="none" spc="0" dirty="0">
-                          <a:solidFill>
-                            <a:schemeClr val="tx1"/>
-                          </a:solidFill>
-                        </a:rPr>
-                        <a:t>배낭 구현</a:t>
-                      </a:r>
-                    </a:p>
-                  </a:txBody>
-                  <a:tcPr marL="146775" marR="146775" marT="73388" marB="89047"/>
-                </a:tc>
-                <a:tc>
-                  <a:txBody>
-                    <a:bodyPr/>
-                    <a:lstStyle/>
-                    <a:p>
-                      <a:pPr marL="0" marR="0" lvl="0" indent="0" algn="l" defTabSz="914400" rtl="0" eaLnBrk="1" fontAlgn="auto" latinLnBrk="1" hangingPunct="1">
-                        <a:lnSpc>
-                          <a:spcPct val="100000"/>
-                        </a:lnSpc>
-                        <a:spcBef>
-                          <a:spcPts val="0"/>
-                        </a:spcBef>
-                        <a:spcAft>
-                          <a:spcPts val="0"/>
-                        </a:spcAft>
-                        <a:buClrTx/>
-                        <a:buSzTx/>
-                        <a:buFontTx/>
-                        <a:buNone/>
-                        <a:tabLst/>
-                        <a:defRPr/>
-                      </a:pPr>
-                      <a:r>
-                        <a:rPr lang="en-US" altLang="ko-KR" sz="1200" cap="none" spc="0" dirty="0">
-                          <a:solidFill>
-                            <a:schemeClr val="tx1"/>
-                          </a:solidFill>
-                        </a:rPr>
-                        <a:t>-</a:t>
-                      </a:r>
-                      <a:endParaRPr lang="ko-KR" altLang="en-US" sz="1200" cap="none" spc="0" dirty="0">
-                        <a:solidFill>
-                          <a:schemeClr val="tx1"/>
-                        </a:solidFill>
-                      </a:endParaRPr>
-                    </a:p>
-                  </a:txBody>
-                  <a:tcPr marL="146775" marR="146775" marT="73388" marB="89047"/>
-                </a:tc>
-                <a:extLst>
-                  <a:ext uri="{0D108BD9-81ED-4DB2-BD59-A6C34878D82A}">
-                    <a16:rowId xmlns:a16="http://schemas.microsoft.com/office/drawing/2014/main" val="2661120449"/>
-                  </a:ext>
-                </a:extLst>
-              </a:tr>
-              <a:tr h="421899">
-                <a:tc>
-                  <a:txBody>
-                    <a:bodyPr/>
-                    <a:lstStyle/>
-                    <a:p>
-                      <a:pPr latinLnBrk="1"/>
-                      <a:r>
-                        <a:rPr lang="en-US" altLang="ko-KR" sz="1600" cap="none" spc="0">
-                          <a:solidFill>
-                            <a:schemeClr val="tx1"/>
-                          </a:solidFill>
-                        </a:rPr>
-                        <a:t>5</a:t>
-                      </a:r>
-                      <a:r>
-                        <a:rPr lang="ko-KR" altLang="en-US" sz="1600" cap="none" spc="0">
-                          <a:solidFill>
-                            <a:schemeClr val="tx1"/>
-                          </a:solidFill>
-                        </a:rPr>
-                        <a:t>주차</a:t>
-                      </a:r>
-                    </a:p>
-                  </a:txBody>
-                  <a:tcPr marL="146775" marR="146775" marT="73388" marB="89047"/>
-                </a:tc>
-                <a:tc>
-                  <a:txBody>
-                    <a:bodyPr/>
-                    <a:lstStyle/>
-                    <a:p>
-                      <a:pPr marL="0" marR="0" lvl="0" indent="0" algn="l" defTabSz="914400" rtl="0" eaLnBrk="1" fontAlgn="auto" latinLnBrk="1" hangingPunct="1">
-                        <a:lnSpc>
-                          <a:spcPct val="100000"/>
-                        </a:lnSpc>
-                        <a:spcBef>
-                          <a:spcPts val="0"/>
-                        </a:spcBef>
-                        <a:spcAft>
-                          <a:spcPts val="0"/>
-                        </a:spcAft>
-                        <a:buClrTx/>
-                        <a:buSzTx/>
-                        <a:buFontTx/>
-                        <a:buNone/>
-                        <a:tabLst/>
-                        <a:defRPr/>
-                      </a:pPr>
-                      <a:r>
-                        <a:rPr lang="ko-KR" altLang="en-US" sz="1200" cap="none" spc="0" dirty="0">
-                          <a:solidFill>
-                            <a:schemeClr val="tx1"/>
-                          </a:solidFill>
-                        </a:rPr>
-                        <a:t>무기 스킬 구현</a:t>
-                      </a:r>
-                      <a:r>
-                        <a:rPr lang="en-US" altLang="ko-KR" sz="1200" cap="none" spc="0" dirty="0">
-                          <a:solidFill>
-                            <a:schemeClr val="tx1"/>
-                          </a:solidFill>
-                        </a:rPr>
-                        <a:t>, </a:t>
-                      </a:r>
-                      <a:r>
-                        <a:rPr lang="ko-KR" altLang="en-US" sz="1200" cap="none" spc="0" dirty="0">
-                          <a:solidFill>
-                            <a:schemeClr val="tx1"/>
-                          </a:solidFill>
-                        </a:rPr>
-                        <a:t>체력 바 등의 나머지 </a:t>
-                      </a:r>
-                      <a:r>
-                        <a:rPr lang="en-US" altLang="ko-KR" sz="1200" cap="none" spc="0" dirty="0">
-                          <a:solidFill>
-                            <a:schemeClr val="tx1"/>
-                          </a:solidFill>
-                        </a:rPr>
-                        <a:t>UI</a:t>
-                      </a:r>
-                      <a:r>
-                        <a:rPr lang="ko-KR" altLang="en-US" sz="1200" cap="none" spc="0" dirty="0">
-                          <a:solidFill>
-                            <a:schemeClr val="tx1"/>
-                          </a:solidFill>
-                        </a:rPr>
-                        <a:t>구현</a:t>
-                      </a:r>
-                    </a:p>
-                  </a:txBody>
-                  <a:tcPr marL="146775" marR="146775" marT="73388" marB="89047"/>
-                </a:tc>
-                <a:tc>
-                  <a:txBody>
-                    <a:bodyPr/>
-                    <a:lstStyle/>
-                    <a:p>
-                      <a:pPr marL="0" marR="0" lvl="0" indent="0" algn="l" defTabSz="914400" rtl="0" eaLnBrk="1" fontAlgn="auto" latinLnBrk="1" hangingPunct="1">
-                        <a:lnSpc>
-                          <a:spcPct val="100000"/>
-                        </a:lnSpc>
-                        <a:spcBef>
-                          <a:spcPts val="0"/>
-                        </a:spcBef>
-                        <a:spcAft>
-                          <a:spcPts val="0"/>
-                        </a:spcAft>
-                        <a:buClrTx/>
-                        <a:buSzTx/>
-                        <a:buFontTx/>
-                        <a:buNone/>
-                        <a:tabLst/>
-                        <a:defRPr/>
-                      </a:pPr>
+                        <a:t>:</a:t>
+                      </a:r>
                       <a:r>
                         <a:rPr lang="ko-KR" altLang="en-US" sz="1200" cap="none" spc="0" dirty="0">
                           <a:solidFill>
@@ -6215,52 +5772,7 @@
                         </a:rPr>
                         <a:t>)</a:t>
                       </a:r>
-                      <a:endParaRPr lang="ko-KR" altLang="en-US" sz="1200" cap="none" spc="0" dirty="0">
-                        <a:solidFill>
-                          <a:schemeClr val="tx1"/>
-                        </a:solidFill>
-                      </a:endParaRPr>
                     </a:p>
-                  </a:txBody>
-                  <a:tcPr marL="146775" marR="146775" marT="73388" marB="89047"/>
-                </a:tc>
-                <a:extLst>
-                  <a:ext uri="{0D108BD9-81ED-4DB2-BD59-A6C34878D82A}">
-                    <a16:rowId xmlns:a16="http://schemas.microsoft.com/office/drawing/2014/main" val="3009210345"/>
-                  </a:ext>
-                </a:extLst>
-              </a:tr>
-              <a:tr h="421899">
-                <a:tc>
-                  <a:txBody>
-                    <a:bodyPr/>
-                    <a:lstStyle/>
-                    <a:p>
-                      <a:pPr latinLnBrk="1"/>
-                      <a:r>
-                        <a:rPr lang="en-US" altLang="ko-KR" sz="1600" cap="none" spc="0">
-                          <a:solidFill>
-                            <a:schemeClr val="tx1"/>
-                          </a:solidFill>
-                        </a:rPr>
-                        <a:t>6</a:t>
-                      </a:r>
-                      <a:r>
-                        <a:rPr lang="ko-KR" altLang="en-US" sz="1600" cap="none" spc="0">
-                          <a:solidFill>
-                            <a:schemeClr val="tx1"/>
-                          </a:solidFill>
-                        </a:rPr>
-                        <a:t>주차</a:t>
-                      </a:r>
-                    </a:p>
-                  </a:txBody>
-                  <a:tcPr marL="146775" marR="146775" marT="73388" marB="89047"/>
-                </a:tc>
-                <a:tc>
-                  <a:txBody>
-                    <a:bodyPr/>
-                    <a:lstStyle/>
                     <a:p>
                       <a:pPr marL="0" marR="0" lvl="0" indent="0" algn="l" defTabSz="914400" rtl="0" eaLnBrk="1" fontAlgn="auto" latinLnBrk="1" hangingPunct="1">
                         <a:lnSpc>
@@ -6280,52 +5792,37 @@
                         <a:defRPr/>
                       </a:pPr>
                       <a:r>
+                        <a:rPr lang="en-US" altLang="ko-KR" sz="1200" cap="none" spc="0" dirty="0">
+                          <a:solidFill>
+                            <a:schemeClr val="tx1"/>
+                          </a:solidFill>
+                        </a:rPr>
+                        <a:t>6</a:t>
+                      </a:r>
+                      <a:r>
                         <a:rPr lang="ko-KR" altLang="en-US" sz="1200" cap="none" spc="0" dirty="0">
                           <a:solidFill>
                             <a:schemeClr val="tx1"/>
                           </a:solidFill>
                         </a:rPr>
+                        <a:t>주차</a:t>
+                      </a:r>
+                      <a:r>
+                        <a:rPr lang="en-US" altLang="ko-KR" sz="1200" cap="none" spc="0" dirty="0">
+                          <a:solidFill>
+                            <a:schemeClr val="tx1"/>
+                          </a:solidFill>
+                        </a:rPr>
+                        <a:t>:</a:t>
+                      </a:r>
+                      <a:r>
+                        <a:rPr lang="ko-KR" altLang="en-US" sz="1200" cap="none" spc="0" dirty="0">
+                          <a:solidFill>
+                            <a:schemeClr val="tx1"/>
+                          </a:solidFill>
+                        </a:rPr>
                         <a:t>강화 시스템 구현</a:t>
                       </a:r>
-                    </a:p>
-                  </a:txBody>
-                  <a:tcPr marL="146775" marR="146775" marT="73388" marB="89047"/>
-                </a:tc>
-                <a:tc>
-                  <a:txBody>
-                    <a:bodyPr/>
-                    <a:lstStyle/>
-                    <a:p>
-                      <a:pPr marL="0" marR="0" lvl="0" indent="0" algn="l" defTabSz="914400" rtl="0" eaLnBrk="1" fontAlgn="auto" latinLnBrk="1" hangingPunct="1">
-                        <a:lnSpc>
-                          <a:spcPct val="100000"/>
-                        </a:lnSpc>
-                        <a:spcBef>
-                          <a:spcPts val="0"/>
-                        </a:spcBef>
-                        <a:spcAft>
-                          <a:spcPts val="0"/>
-                        </a:spcAft>
-                        <a:buClrTx/>
-                        <a:buSzTx/>
-                        <a:buFontTx/>
-                        <a:buNone/>
-                        <a:tabLst/>
-                        <a:defRPr/>
-                      </a:pPr>
-                      <a:r>
-                        <a:rPr lang="en-US" altLang="ko-KR" sz="1200" cap="none" spc="0" dirty="0">
-                          <a:solidFill>
-                            <a:schemeClr val="tx1"/>
-                          </a:solidFill>
-                        </a:rPr>
-                        <a:t>-</a:t>
-                      </a:r>
-                      <a:endParaRPr lang="ko-KR" altLang="en-US" sz="1200" cap="none" spc="0" dirty="0">
-                        <a:solidFill>
-                          <a:schemeClr val="tx1"/>
-                        </a:solidFill>
-                      </a:endParaRPr>
                     </a:p>
                   </a:txBody>
                   <a:tcPr marL="146775" marR="146775" marT="73388" marB="89047"/>
